--- a/WEEK2/第二周第一天[面向对象深入、call、apply、商品排序].pptx
+++ b/WEEK2/第二周第一天[面向对象深入、call、apply、商品排序].pptx
@@ -3772,14 +3772,7 @@
                 <a:latin typeface="仿宋" panose="02010609060101010101" charset="-122"/>
                 <a:ea typeface="仿宋" panose="02010609060101010101" charset="-122"/>
               </a:rPr>
-              <a:t>-</a:t>
-            </a:r>
-            <a:r>
-              <a:rPr lang="en-US" altLang="zh-CN">
-                <a:latin typeface="仿宋" panose="02010609060101010101" charset="-122"/>
-                <a:ea typeface="仿宋" panose="02010609060101010101" charset="-122"/>
-              </a:rPr>
-              <a:t> </a:t>
+              <a:t>- </a:t>
             </a:r>
             <a:r>
               <a:rPr lang="zh-CN" altLang="en-US">
@@ -3812,14 +3805,7 @@
                 <a:latin typeface="仿宋" panose="02010609060101010101" charset="-122"/>
                 <a:ea typeface="仿宋" panose="02010609060101010101" charset="-122"/>
               </a:rPr>
-              <a:t>-</a:t>
-            </a:r>
-            <a:r>
-              <a:rPr lang="en-US" altLang="zh-CN">
-                <a:latin typeface="仿宋" panose="02010609060101010101" charset="-122"/>
-                <a:ea typeface="仿宋" panose="02010609060101010101" charset="-122"/>
-              </a:rPr>
-              <a:t> Function</a:t>
+              <a:t>- Function</a:t>
             </a:r>
             <a:endParaRPr lang="zh-CN" altLang="en-US">
               <a:latin typeface="仿宋" panose="02010609060101010101" charset="-122"/>
@@ -3845,14 +3831,7 @@
                 <a:latin typeface="仿宋" panose="02010609060101010101" charset="-122"/>
                 <a:ea typeface="仿宋" panose="02010609060101010101" charset="-122"/>
               </a:rPr>
-              <a:t>-</a:t>
-            </a:r>
-            <a:r>
-              <a:rPr lang="en-US" altLang="zh-CN">
-                <a:latin typeface="仿宋" panose="02010609060101010101" charset="-122"/>
-                <a:ea typeface="仿宋" panose="02010609060101010101" charset="-122"/>
-              </a:rPr>
-              <a:t> Function.prototype:call/apply/bind</a:t>
+              <a:t>- Function.prototype:call/apply/bind</a:t>
             </a:r>
             <a:endParaRPr lang="zh-CN" altLang="en-US">
               <a:latin typeface="仿宋" panose="02010609060101010101" charset="-122"/>
@@ -3879,15 +3858,7 @@
                 <a:ea typeface="仿宋" panose="02010609060101010101" charset="-122"/>
                 <a:sym typeface="+mn-ea"/>
               </a:rPr>
-              <a:t>-</a:t>
-            </a:r>
-            <a:r>
-              <a:rPr lang="en-US" altLang="zh-CN">
-                <a:latin typeface="仿宋" panose="02010609060101010101" charset="-122"/>
-                <a:ea typeface="仿宋" panose="02010609060101010101" charset="-122"/>
-                <a:sym typeface="+mn-ea"/>
-              </a:rPr>
-              <a:t> </a:t>
+              <a:t>- </a:t>
             </a:r>
             <a:r>
               <a:rPr lang="zh-CN" altLang="en-US">
@@ -3924,15 +3895,7 @@
                 <a:ea typeface="仿宋" panose="02010609060101010101" charset="-122"/>
                 <a:sym typeface="+mn-ea"/>
               </a:rPr>
-              <a:t>-</a:t>
-            </a:r>
-            <a:r>
-              <a:rPr lang="en-US" altLang="zh-CN">
-                <a:latin typeface="仿宋" panose="02010609060101010101" charset="-122"/>
-                <a:ea typeface="仿宋" panose="02010609060101010101" charset="-122"/>
-                <a:sym typeface="+mn-ea"/>
-              </a:rPr>
-              <a:t> ...</a:t>
+              <a:t>- ...</a:t>
             </a:r>
             <a:endParaRPr lang="en-US" altLang="zh-CN">
               <a:latin typeface="仿宋" panose="02010609060101010101" charset="-122"/>
@@ -4207,14 +4170,7 @@
                 <a:latin typeface="仿宋" panose="02010609060101010101" charset="-122"/>
                 <a:ea typeface="仿宋" panose="02010609060101010101" charset="-122"/>
               </a:rPr>
-              <a:t>-</a:t>
-            </a:r>
-            <a:r>
-              <a:rPr lang="en-US" altLang="zh-CN">
-                <a:latin typeface="仿宋" panose="02010609060101010101" charset="-122"/>
-                <a:ea typeface="仿宋" panose="02010609060101010101" charset="-122"/>
-              </a:rPr>
-              <a:t> </a:t>
+              <a:t>- </a:t>
             </a:r>
             <a:r>
               <a:rPr lang="zh-CN" altLang="en-US">
@@ -4273,14 +4229,7 @@
                 <a:latin typeface="仿宋" panose="02010609060101010101" charset="-122"/>
                 <a:ea typeface="仿宋" panose="02010609060101010101" charset="-122"/>
               </a:rPr>
-              <a:t>-</a:t>
-            </a:r>
-            <a:r>
-              <a:rPr lang="en-US" altLang="zh-CN">
-                <a:latin typeface="仿宋" panose="02010609060101010101" charset="-122"/>
-                <a:ea typeface="仿宋" panose="02010609060101010101" charset="-122"/>
-              </a:rPr>
-              <a:t> </a:t>
+              <a:t>- </a:t>
             </a:r>
             <a:r>
               <a:rPr lang="zh-CN">
